--- a/slides/threads.pptx
+++ b/slides/threads.pptx
@@ -5,7 +5,7 @@
     <p:sldMasterId id="2147483648" r:id="rId1"/>
   </p:sldMasterIdLst>
   <p:notesMasterIdLst>
-    <p:notesMasterId r:id="rId19"/>
+    <p:notesMasterId r:id="rId21"/>
   </p:notesMasterIdLst>
   <p:sldIdLst>
     <p:sldId id="256" r:id="rId2"/>
@@ -15,16 +15,18 @@
     <p:sldId id="260" r:id="rId6"/>
     <p:sldId id="261" r:id="rId7"/>
     <p:sldId id="262" r:id="rId8"/>
-    <p:sldId id="263" r:id="rId9"/>
-    <p:sldId id="264" r:id="rId10"/>
-    <p:sldId id="265" r:id="rId11"/>
-    <p:sldId id="266" r:id="rId12"/>
-    <p:sldId id="267" r:id="rId13"/>
-    <p:sldId id="268" r:id="rId14"/>
-    <p:sldId id="269" r:id="rId15"/>
-    <p:sldId id="270" r:id="rId16"/>
-    <p:sldId id="271" r:id="rId17"/>
-    <p:sldId id="272" r:id="rId18"/>
+    <p:sldId id="273" r:id="rId9"/>
+    <p:sldId id="263" r:id="rId10"/>
+    <p:sldId id="264" r:id="rId11"/>
+    <p:sldId id="274" r:id="rId12"/>
+    <p:sldId id="265" r:id="rId13"/>
+    <p:sldId id="266" r:id="rId14"/>
+    <p:sldId id="267" r:id="rId15"/>
+    <p:sldId id="268" r:id="rId16"/>
+    <p:sldId id="269" r:id="rId17"/>
+    <p:sldId id="270" r:id="rId18"/>
+    <p:sldId id="271" r:id="rId19"/>
+    <p:sldId id="272" r:id="rId20"/>
   </p:sldIdLst>
   <p:sldSz cx="9144000" cy="6858000" type="screen4x3"/>
   <p:notesSz cx="6858000" cy="9144000"/>
@@ -326,6 +328,11 @@
       </a:defRPr>
     </a:lvl9pPr>
   </p:defaultTextStyle>
+  <p:extLst>
+    <p:ext uri="{EFAFB233-063F-42B5-8137-9DF3F51BA10A}">
+      <p15:sldGuideLst xmlns:p15="http://schemas.microsoft.com/office/powerpoint/2012/main"/>
+    </p:ext>
+  </p:extLst>
 </p:presentation>
 </file>
 
@@ -1957,6 +1964,497 @@
       </p:grpSpPr>
       <p:sp>
         <p:nvSpPr>
+          <p:cNvPr id="70" name="Shape 70"/>
+          <p:cNvSpPr>
+            <a:spLocks noGrp="1"/>
+          </p:cNvSpPr>
+          <p:nvPr>
+            <p:ph type="title"/>
+          </p:nvPr>
+        </p:nvSpPr>
+        <p:spPr>
+          <a:xfrm>
+            <a:off x="171450" y="-1"/>
+            <a:ext cx="8788400" cy="1143002"/>
+          </a:xfrm>
+          <a:prstGeom prst="rect">
+            <a:avLst/>
+          </a:prstGeom>
+        </p:spPr>
+        <p:txBody>
+          <a:bodyPr>
+            <a:normAutofit/>
+          </a:bodyPr>
+          <a:lstStyle/>
+          <a:p>
+            <a:r>
+              <a:t>Example: a multi-threaded web server</a:t>
+            </a:r>
+          </a:p>
+        </p:txBody>
+      </p:sp>
+      <p:pic>
+        <p:nvPicPr>
+          <p:cNvPr id="71" name="2-10.jpg"/>
+          <p:cNvPicPr>
+            <a:picLocks noChangeAspect="1"/>
+          </p:cNvPicPr>
+          <p:nvPr/>
+        </p:nvPicPr>
+        <p:blipFill>
+          <a:blip r:embed="rId2">
+            <a:extLst/>
+          </a:blip>
+          <a:stretch>
+            <a:fillRect/>
+          </a:stretch>
+        </p:blipFill>
+        <p:spPr>
+          <a:xfrm>
+            <a:off x="1855482" y="1063625"/>
+            <a:ext cx="6075668" cy="4026312"/>
+          </a:xfrm>
+          <a:prstGeom prst="rect">
+            <a:avLst/>
+          </a:prstGeom>
+          <a:ln w="12700">
+            <a:miter lim="400000"/>
+          </a:ln>
+        </p:spPr>
+      </p:pic>
+      <p:sp>
+        <p:nvSpPr>
+          <p:cNvPr id="72" name="Shape 72"/>
+          <p:cNvSpPr>
+            <a:spLocks noGrp="1"/>
+          </p:cNvSpPr>
+          <p:nvPr>
+            <p:ph type="body" sz="half" idx="1"/>
+          </p:nvPr>
+        </p:nvSpPr>
+        <p:spPr>
+          <a:xfrm>
+            <a:off x="203200" y="5321647"/>
+            <a:ext cx="8737600" cy="1467744"/>
+          </a:xfrm>
+          <a:prstGeom prst="rect">
+            <a:avLst/>
+          </a:prstGeom>
+        </p:spPr>
+        <p:txBody>
+          <a:bodyPr>
+            <a:normAutofit/>
+          </a:bodyPr>
+          <a:lstStyle/>
+          <a:p>
+            <a:pPr marL="256673" indent="-256673" defTabSz="731520">
+              <a:lnSpc>
+                <a:spcPct val="90000"/>
+              </a:lnSpc>
+              <a:spcBef>
+                <a:spcPts val="600"/>
+              </a:spcBef>
+              <a:defRPr sz="2560"/>
+            </a:pPr>
+            <a:r>
+              <a:t>A dispatcher thread waits for and accepts network connections</a:t>
+            </a:r>
+          </a:p>
+          <a:p>
+            <a:pPr marL="256673" indent="-256673" defTabSz="731520">
+              <a:lnSpc>
+                <a:spcPct val="90000"/>
+              </a:lnSpc>
+              <a:spcBef>
+                <a:spcPts val="600"/>
+              </a:spcBef>
+              <a:defRPr sz="2560"/>
+            </a:pPr>
+            <a:r>
+              <a:t>Several worker threads</a:t>
+            </a:r>
+          </a:p>
+          <a:p>
+            <a:pPr marL="561473" lvl="1" indent="-256673" defTabSz="731520">
+              <a:lnSpc>
+                <a:spcPct val="90000"/>
+              </a:lnSpc>
+              <a:spcBef>
+                <a:spcPts val="600"/>
+              </a:spcBef>
+              <a:defRPr sz="2560"/>
+            </a:pPr>
+            <a:r>
+              <a:t>Each worker processes one network connection concurrently</a:t>
+            </a:r>
+          </a:p>
+        </p:txBody>
+      </p:sp>
+    </p:spTree>
+  </p:cSld>
+  <p:clrMapOvr>
+    <a:masterClrMapping/>
+  </p:clrMapOvr>
+  <p:transition spd="med"/>
+</p:sld>
+</file>
+
+<file path=ppt/slides/slide11.xml><?xml version="1.0" encoding="utf-8"?>
+<p:sld xmlns:a="http://schemas.openxmlformats.org/drawingml/2006/main" xmlns:r="http://schemas.openxmlformats.org/officeDocument/2006/relationships" xmlns:p="http://schemas.openxmlformats.org/presentationml/2006/main">
+  <p:cSld>
+    <p:spTree>
+      <p:nvGrpSpPr>
+        <p:cNvPr id="1" name=""/>
+        <p:cNvGrpSpPr/>
+        <p:nvPr/>
+      </p:nvGrpSpPr>
+      <p:grpSpPr>
+        <a:xfrm>
+          <a:off x="0" y="0"/>
+          <a:ext cx="0" cy="0"/>
+          <a:chOff x="0" y="0"/>
+          <a:chExt cx="0" cy="0"/>
+        </a:xfrm>
+      </p:grpSpPr>
+      <p:sp>
+        <p:nvSpPr>
+          <p:cNvPr id="2" name="Title 1"/>
+          <p:cNvSpPr>
+            <a:spLocks noGrp="1"/>
+          </p:cNvSpPr>
+          <p:nvPr>
+            <p:ph type="title"/>
+          </p:nvPr>
+        </p:nvSpPr>
+        <p:spPr/>
+        <p:txBody>
+          <a:bodyPr/>
+          <a:lstStyle/>
+          <a:p>
+            <a:r>
+              <a:rPr lang="en-US" dirty="0" smtClean="0"/>
+              <a:t>Advantages of threads</a:t>
+            </a:r>
+            <a:endParaRPr lang="en-US" dirty="0"/>
+          </a:p>
+        </p:txBody>
+      </p:sp>
+      <p:sp>
+        <p:nvSpPr>
+          <p:cNvPr id="3" name="Text Placeholder 2"/>
+          <p:cNvSpPr>
+            <a:spLocks noGrp="1"/>
+          </p:cNvSpPr>
+          <p:nvPr>
+            <p:ph type="body" idx="1"/>
+          </p:nvPr>
+        </p:nvSpPr>
+        <p:spPr/>
+        <p:txBody>
+          <a:bodyPr/>
+          <a:lstStyle/>
+          <a:p>
+            <a:pPr marL="297076" indent="-297076">
+              <a:lnSpc>
+                <a:spcPct val="90000"/>
+              </a:lnSpc>
+              <a:spcBef>
+                <a:spcPts val="500"/>
+              </a:spcBef>
+              <a:defRPr sz="2100"/>
+            </a:pPr>
+            <a:r>
+              <a:rPr lang="en-US" dirty="0"/>
+              <a:t>Lower </a:t>
+            </a:r>
+            <a:r>
+              <a:rPr lang="en-US" dirty="0" smtClean="0"/>
+              <a:t>inter-thread context </a:t>
+            </a:r>
+            <a:r>
+              <a:rPr lang="en-US" dirty="0"/>
+              <a:t>switching </a:t>
+            </a:r>
+            <a:r>
+              <a:rPr lang="en-US" dirty="0" smtClean="0"/>
+              <a:t>overhead than processes</a:t>
+            </a:r>
+            <a:endParaRPr lang="en-US" dirty="0"/>
+          </a:p>
+          <a:p>
+            <a:pPr marL="297076" indent="-297076">
+              <a:lnSpc>
+                <a:spcPct val="90000"/>
+              </a:lnSpc>
+              <a:spcBef>
+                <a:spcPts val="500"/>
+              </a:spcBef>
+              <a:defRPr sz="2100"/>
+            </a:pPr>
+            <a:endParaRPr lang="en-US" dirty="0" smtClean="0"/>
+          </a:p>
+          <a:p>
+            <a:pPr marL="297076" indent="-297076">
+              <a:lnSpc>
+                <a:spcPct val="90000"/>
+              </a:lnSpc>
+              <a:spcBef>
+                <a:spcPts val="500"/>
+              </a:spcBef>
+              <a:defRPr sz="2100"/>
+            </a:pPr>
+            <a:r>
+              <a:rPr lang="en-US" dirty="0" smtClean="0"/>
+              <a:t>No Inter-process communication</a:t>
+            </a:r>
+            <a:endParaRPr lang="en-US" dirty="0"/>
+          </a:p>
+          <a:p>
+            <a:pPr marL="678076" lvl="1" indent="-297076">
+              <a:lnSpc>
+                <a:spcPct val="90000"/>
+              </a:lnSpc>
+              <a:spcBef>
+                <a:spcPts val="500"/>
+              </a:spcBef>
+              <a:defRPr sz="2100"/>
+            </a:pPr>
+            <a:r>
+              <a:rPr lang="en-US" dirty="0"/>
+              <a:t>Zero data transfer </a:t>
+            </a:r>
+            <a:r>
+              <a:rPr lang="en-US" dirty="0" smtClean="0"/>
+              <a:t>cost between threads</a:t>
+            </a:r>
+            <a:endParaRPr lang="en-US" dirty="0"/>
+          </a:p>
+          <a:p>
+            <a:pPr marL="678076" lvl="1" indent="-297076">
+              <a:lnSpc>
+                <a:spcPct val="90000"/>
+              </a:lnSpc>
+              <a:spcBef>
+                <a:spcPts val="500"/>
+              </a:spcBef>
+              <a:defRPr sz="2100"/>
+            </a:pPr>
+            <a:r>
+              <a:rPr lang="en-US" dirty="0"/>
+              <a:t>Only need inter-thread </a:t>
+            </a:r>
+            <a:r>
+              <a:rPr lang="en-US" dirty="0" smtClean="0"/>
+              <a:t>synchronization</a:t>
+            </a:r>
+          </a:p>
+          <a:p>
+            <a:pPr marL="297076" indent="-297076">
+              <a:lnSpc>
+                <a:spcPct val="90000"/>
+              </a:lnSpc>
+              <a:spcBef>
+                <a:spcPts val="500"/>
+              </a:spcBef>
+              <a:defRPr sz="2100"/>
+            </a:pPr>
+            <a:endParaRPr lang="en-US" dirty="0" smtClean="0"/>
+          </a:p>
+          <a:p>
+            <a:pPr marL="297076" indent="-297076">
+              <a:lnSpc>
+                <a:spcPct val="90000"/>
+              </a:lnSpc>
+              <a:spcBef>
+                <a:spcPts val="500"/>
+              </a:spcBef>
+              <a:defRPr sz="2100"/>
+            </a:pPr>
+            <a:r>
+              <a:rPr lang="en-US" dirty="0" smtClean="0"/>
+              <a:t>Threads can be pre-empted at any point</a:t>
+            </a:r>
+          </a:p>
+          <a:p>
+            <a:pPr marL="678076" lvl="1" indent="-297076">
+              <a:lnSpc>
+                <a:spcPct val="90000"/>
+              </a:lnSpc>
+              <a:spcBef>
+                <a:spcPts val="500"/>
+              </a:spcBef>
+              <a:defRPr sz="2100"/>
+            </a:pPr>
+            <a:r>
+              <a:rPr lang="en-US" dirty="0" smtClean="0"/>
+              <a:t>Long-running threads are OK </a:t>
+            </a:r>
+          </a:p>
+          <a:p>
+            <a:pPr marL="678076" lvl="1" indent="-297076">
+              <a:lnSpc>
+                <a:spcPct val="90000"/>
+              </a:lnSpc>
+              <a:spcBef>
+                <a:spcPts val="500"/>
+              </a:spcBef>
+              <a:defRPr sz="2100"/>
+            </a:pPr>
+            <a:r>
+              <a:rPr lang="en-US" dirty="0" smtClean="0"/>
+              <a:t>As opposed to event-driven tasks that must be short.</a:t>
+            </a:r>
+          </a:p>
+          <a:p>
+            <a:pPr marL="297076" indent="-297076">
+              <a:lnSpc>
+                <a:spcPct val="90000"/>
+              </a:lnSpc>
+              <a:spcBef>
+                <a:spcPts val="500"/>
+              </a:spcBef>
+              <a:defRPr sz="2100"/>
+            </a:pPr>
+            <a:endParaRPr lang="en-US" dirty="0"/>
+          </a:p>
+          <a:p>
+            <a:pPr marL="297076" indent="-297076">
+              <a:lnSpc>
+                <a:spcPct val="90000"/>
+              </a:lnSpc>
+              <a:spcBef>
+                <a:spcPts val="500"/>
+              </a:spcBef>
+              <a:defRPr sz="2100"/>
+            </a:pPr>
+            <a:r>
+              <a:rPr lang="en-US" dirty="0" smtClean="0"/>
+              <a:t>Threads can exploit parallelism</a:t>
+            </a:r>
+          </a:p>
+          <a:p>
+            <a:pPr marL="678076" lvl="1" indent="-297076">
+              <a:lnSpc>
+                <a:spcPct val="90000"/>
+              </a:lnSpc>
+              <a:spcBef>
+                <a:spcPts val="500"/>
+              </a:spcBef>
+              <a:defRPr sz="2100"/>
+            </a:pPr>
+            <a:r>
+              <a:rPr lang="en-US" dirty="0"/>
+              <a:t>But it depends</a:t>
+            </a:r>
+            <a:r>
+              <a:rPr lang="mr-IN" dirty="0"/>
+              <a:t>…</a:t>
+            </a:r>
+            <a:r>
+              <a:rPr lang="en-US" dirty="0"/>
+              <a:t>more later</a:t>
+            </a:r>
+          </a:p>
+          <a:p>
+            <a:pPr marL="678076" lvl="1" indent="-297076">
+              <a:lnSpc>
+                <a:spcPct val="90000"/>
+              </a:lnSpc>
+              <a:spcBef>
+                <a:spcPts val="500"/>
+              </a:spcBef>
+              <a:defRPr sz="2100"/>
+            </a:pPr>
+            <a:endParaRPr lang="en-US" dirty="0" smtClean="0"/>
+          </a:p>
+          <a:p>
+            <a:pPr marL="297076" indent="-297076">
+              <a:lnSpc>
+                <a:spcPct val="90000"/>
+              </a:lnSpc>
+              <a:spcBef>
+                <a:spcPts val="500"/>
+              </a:spcBef>
+              <a:defRPr sz="2100"/>
+            </a:pPr>
+            <a:r>
+              <a:rPr lang="en-US" dirty="0" smtClean="0"/>
+              <a:t>Threads could block without blocking other threads</a:t>
+            </a:r>
+          </a:p>
+          <a:p>
+            <a:pPr marL="678076" lvl="1" indent="-297076">
+              <a:lnSpc>
+                <a:spcPct val="90000"/>
+              </a:lnSpc>
+              <a:spcBef>
+                <a:spcPts val="500"/>
+              </a:spcBef>
+              <a:defRPr sz="2100"/>
+            </a:pPr>
+            <a:r>
+              <a:rPr lang="en-US" dirty="0" smtClean="0"/>
+              <a:t>But it depends</a:t>
+            </a:r>
+            <a:r>
+              <a:rPr lang="mr-IN" dirty="0" smtClean="0"/>
+              <a:t>…</a:t>
+            </a:r>
+            <a:r>
+              <a:rPr lang="en-US" dirty="0" smtClean="0"/>
+              <a:t>more later</a:t>
+            </a:r>
+          </a:p>
+          <a:p>
+            <a:pPr marL="678076" lvl="1" indent="-297076">
+              <a:lnSpc>
+                <a:spcPct val="90000"/>
+              </a:lnSpc>
+              <a:spcBef>
+                <a:spcPts val="500"/>
+              </a:spcBef>
+              <a:defRPr sz="2100"/>
+            </a:pPr>
+            <a:endParaRPr lang="en-US" dirty="0"/>
+          </a:p>
+          <a:p>
+            <a:endParaRPr lang="en-US" dirty="0"/>
+          </a:p>
+        </p:txBody>
+      </p:sp>
+    </p:spTree>
+    <p:extLst>
+      <p:ext uri="{BB962C8B-B14F-4D97-AF65-F5344CB8AC3E}">
+        <p14:creationId xmlns:p14="http://schemas.microsoft.com/office/powerpoint/2010/main" val="1189145685"/>
+      </p:ext>
+    </p:extLst>
+  </p:cSld>
+  <p:clrMapOvr>
+    <a:masterClrMapping/>
+  </p:clrMapOvr>
+  <p:transition spd="med"/>
+</p:sld>
+</file>
+
+<file path=ppt/slides/slide12.xml><?xml version="1.0" encoding="utf-8"?>
+<p:sld xmlns:a="http://schemas.openxmlformats.org/drawingml/2006/main" xmlns:r="http://schemas.openxmlformats.org/officeDocument/2006/relationships" xmlns:p="http://schemas.openxmlformats.org/presentationml/2006/main">
+  <p:cSld>
+    <p:spTree>
+      <p:nvGrpSpPr>
+        <p:cNvPr id="1" name=""/>
+        <p:cNvGrpSpPr/>
+        <p:nvPr/>
+      </p:nvGrpSpPr>
+      <p:grpSpPr>
+        <a:xfrm>
+          <a:off x="0" y="0"/>
+          <a:ext cx="0" cy="0"/>
+          <a:chOff x="0" y="0"/>
+          <a:chExt cx="0" cy="0"/>
+        </a:xfrm>
+      </p:grpSpPr>
+      <p:sp>
+        <p:nvSpPr>
           <p:cNvPr id="74" name="Shape 74"/>
           <p:cNvSpPr>
             <a:spLocks noGrp="1"/>
@@ -2710,7 +3208,7 @@
 </p:sld>
 </file>
 
-<file path=ppt/slides/slide11.xml><?xml version="1.0" encoding="utf-8"?>
+<file path=ppt/slides/slide13.xml><?xml version="1.0" encoding="utf-8"?>
 <p:sld xmlns:a="http://schemas.openxmlformats.org/drawingml/2006/main" xmlns:r="http://schemas.openxmlformats.org/officeDocument/2006/relationships" xmlns:p="http://schemas.openxmlformats.org/presentationml/2006/main">
   <p:cSld>
     <p:spTree>
@@ -2979,7 +3477,7 @@
 </p:sld>
 </file>
 
-<file path=ppt/slides/slide12.xml><?xml version="1.0" encoding="utf-8"?>
+<file path=ppt/slides/slide14.xml><?xml version="1.0" encoding="utf-8"?>
 <p:sld xmlns:a="http://schemas.openxmlformats.org/drawingml/2006/main" xmlns:r="http://schemas.openxmlformats.org/officeDocument/2006/relationships" xmlns:p="http://schemas.openxmlformats.org/presentationml/2006/main">
   <p:cSld>
     <p:spTree>
@@ -3105,7 +3603,7 @@
 </p:sld>
 </file>
 
-<file path=ppt/slides/slide13.xml><?xml version="1.0" encoding="utf-8"?>
+<file path=ppt/slides/slide15.xml><?xml version="1.0" encoding="utf-8"?>
 <p:sld xmlns:a="http://schemas.openxmlformats.org/drawingml/2006/main" xmlns:r="http://schemas.openxmlformats.org/officeDocument/2006/relationships" xmlns:p="http://schemas.openxmlformats.org/presentationml/2006/main">
   <p:cSld>
     <p:spTree>
@@ -3325,7 +3823,7 @@
 </p:sld>
 </file>
 
-<file path=ppt/slides/slide14.xml><?xml version="1.0" encoding="utf-8"?>
+<file path=ppt/slides/slide16.xml><?xml version="1.0" encoding="utf-8"?>
 <p:sld xmlns:a="http://schemas.openxmlformats.org/drawingml/2006/main" xmlns:r="http://schemas.openxmlformats.org/officeDocument/2006/relationships" xmlns:p="http://schemas.openxmlformats.org/presentationml/2006/main">
   <p:cSld>
     <p:spTree>
@@ -3540,7 +4038,7 @@
 </p:sld>
 </file>
 
-<file path=ppt/slides/slide15.xml><?xml version="1.0" encoding="utf-8"?>
+<file path=ppt/slides/slide17.xml><?xml version="1.0" encoding="utf-8"?>
 <p:sld xmlns:a="http://schemas.openxmlformats.org/drawingml/2006/main" xmlns:r="http://schemas.openxmlformats.org/officeDocument/2006/relationships" xmlns:p="http://schemas.openxmlformats.org/presentationml/2006/main">
   <p:cSld>
     <p:spTree>
@@ -3706,7 +4204,7 @@
 </p:sld>
 </file>
 
-<file path=ppt/slides/slide16.xml><?xml version="1.0" encoding="utf-8"?>
+<file path=ppt/slides/slide18.xml><?xml version="1.0" encoding="utf-8"?>
 <p:sld xmlns:a="http://schemas.openxmlformats.org/drawingml/2006/main" xmlns:r="http://schemas.openxmlformats.org/officeDocument/2006/relationships" xmlns:p="http://schemas.openxmlformats.org/presentationml/2006/main">
   <p:cSld>
     <p:spTree>
@@ -4442,7 +4940,7 @@
 </p:sld>
 </file>
 
-<file path=ppt/slides/slide17.xml><?xml version="1.0" encoding="utf-8"?>
+<file path=ppt/slides/slide19.xml><?xml version="1.0" encoding="utf-8"?>
 <p:sld xmlns:a="http://schemas.openxmlformats.org/drawingml/2006/main" xmlns:r="http://schemas.openxmlformats.org/officeDocument/2006/relationships" xmlns:p="http://schemas.openxmlformats.org/presentationml/2006/main">
   <p:cSld>
     <p:spTree>
@@ -5639,6 +6137,7 @@
               <a:defRPr sz="2100"/>
             </a:pPr>
             <a:r>
+              <a:rPr sz="2800" dirty="0"/>
               <a:t>Multiple threads of execution per process</a:t>
             </a:r>
           </a:p>
@@ -5652,7 +6151,7 @@
               </a:spcBef>
               <a:defRPr sz="2100"/>
             </a:pPr>
-            <a:endParaRPr/>
+            <a:endParaRPr sz="2800" dirty="0"/>
           </a:p>
           <a:p>
             <a:pPr>
@@ -5665,6 +6164,7 @@
               <a:defRPr sz="2100"/>
             </a:pPr>
             <a:r>
+              <a:rPr sz="2800" dirty="0"/>
               <a:t>Each thread has its own</a:t>
             </a:r>
           </a:p>
@@ -5679,6 +6179,7 @@
               <a:defRPr sz="2100"/>
             </a:pPr>
             <a:r>
+              <a:rPr sz="2800" dirty="0"/>
               <a:t>Program counter</a:t>
             </a:r>
           </a:p>
@@ -5693,6 +6194,7 @@
               <a:defRPr sz="2100"/>
             </a:pPr>
             <a:r>
+              <a:rPr sz="2800" dirty="0"/>
               <a:t>Stack, stack pointer</a:t>
             </a:r>
           </a:p>
@@ -5707,6 +6209,7 @@
               <a:defRPr sz="2100"/>
             </a:pPr>
             <a:r>
+              <a:rPr sz="2800" dirty="0"/>
               <a:t>Registers</a:t>
             </a:r>
           </a:p>
@@ -5720,7 +6223,7 @@
               </a:spcBef>
               <a:defRPr sz="2100"/>
             </a:pPr>
-            <a:endParaRPr/>
+            <a:endParaRPr sz="2800" dirty="0"/>
           </a:p>
           <a:p>
             <a:pPr>
@@ -5733,6 +6236,7 @@
               <a:defRPr sz="2100"/>
             </a:pPr>
             <a:r>
+              <a:rPr sz="2800" dirty="0"/>
               <a:t>All threads share </a:t>
             </a:r>
           </a:p>
@@ -5747,6 +6251,7 @@
               <a:defRPr sz="2100"/>
             </a:pPr>
             <a:r>
+              <a:rPr sz="2800" dirty="0"/>
               <a:t>one virtual address space</a:t>
             </a:r>
           </a:p>
@@ -5761,76 +6266,14 @@
               <a:defRPr sz="2100"/>
             </a:pPr>
             <a:r>
-              <a:t>code, heap and static data</a:t>
-            </a:r>
-          </a:p>
-          <a:p>
-            <a:pPr marL="297076" indent="-297076">
-              <a:lnSpc>
-                <a:spcPct val="90000"/>
-              </a:lnSpc>
-              <a:spcBef>
-                <a:spcPts val="500"/>
-              </a:spcBef>
-              <a:defRPr sz="2100"/>
-            </a:pPr>
-            <a:endParaRPr/>
-          </a:p>
-          <a:p>
-            <a:pPr marL="297076" indent="-297076">
-              <a:lnSpc>
-                <a:spcPct val="90000"/>
-              </a:lnSpc>
-              <a:spcBef>
-                <a:spcPts val="500"/>
-              </a:spcBef>
-              <a:defRPr sz="2100"/>
-            </a:pPr>
-            <a:r>
-              <a:t>Lower context switching overhead</a:t>
-            </a:r>
-          </a:p>
-          <a:p>
-            <a:pPr marL="297076" indent="-297076">
-              <a:lnSpc>
-                <a:spcPct val="90000"/>
-              </a:lnSpc>
-              <a:spcBef>
-                <a:spcPts val="500"/>
-              </a:spcBef>
-              <a:defRPr sz="2100"/>
-            </a:pPr>
-            <a:r>
-              <a:t>No IPC</a:t>
-            </a:r>
-          </a:p>
-          <a:p>
-            <a:pPr marL="678076" lvl="1" indent="-297076">
-              <a:lnSpc>
-                <a:spcPct val="90000"/>
-              </a:lnSpc>
-              <a:spcBef>
-                <a:spcPts val="500"/>
-              </a:spcBef>
-              <a:defRPr sz="2100"/>
-            </a:pPr>
-            <a:r>
-              <a:t>Zero data transfer cost</a:t>
-            </a:r>
-          </a:p>
-          <a:p>
-            <a:pPr marL="678076" lvl="1" indent="-297076">
-              <a:lnSpc>
-                <a:spcPct val="90000"/>
-              </a:lnSpc>
-              <a:spcBef>
-                <a:spcPts val="500"/>
-              </a:spcBef>
-              <a:defRPr sz="2100"/>
-            </a:pPr>
-            <a:r>
-              <a:t>Only need inter-thread synchronization</a:t>
-            </a:r>
+              <a:rPr sz="2800" dirty="0"/>
+              <a:t>code, heap and static </a:t>
+            </a:r>
+            <a:r>
+              <a:rPr sz="2800" dirty="0" smtClean="0"/>
+              <a:t>data</a:t>
+            </a:r>
+            <a:endParaRPr sz="2800" dirty="0"/>
           </a:p>
         </p:txBody>
       </p:sp>
@@ -6520,6 +6963,84 @@
       </p:grpSpPr>
       <p:sp>
         <p:nvSpPr>
+          <p:cNvPr id="2" name="Title 1"/>
+          <p:cNvSpPr>
+            <a:spLocks noGrp="1"/>
+          </p:cNvSpPr>
+          <p:nvPr>
+            <p:ph type="title"/>
+          </p:nvPr>
+        </p:nvSpPr>
+        <p:spPr/>
+        <p:txBody>
+          <a:bodyPr/>
+          <a:lstStyle/>
+          <a:p>
+            <a:r>
+              <a:rPr lang="en-US" dirty="0" smtClean="0"/>
+              <a:t>Address space layout</a:t>
+            </a:r>
+            <a:endParaRPr lang="en-US" dirty="0"/>
+          </a:p>
+        </p:txBody>
+      </p:sp>
+      <p:pic>
+        <p:nvPicPr>
+          <p:cNvPr id="5" name="Picture 4"/>
+          <p:cNvPicPr>
+            <a:picLocks noChangeAspect="1"/>
+          </p:cNvPicPr>
+          <p:nvPr/>
+        </p:nvPicPr>
+        <p:blipFill>
+          <a:blip r:embed="rId2"/>
+          <a:stretch>
+            <a:fillRect/>
+          </a:stretch>
+        </p:blipFill>
+        <p:spPr>
+          <a:xfrm>
+            <a:off x="1195388" y="1505416"/>
+            <a:ext cx="7491566" cy="4638906"/>
+          </a:xfrm>
+          <a:prstGeom prst="rect">
+            <a:avLst/>
+          </a:prstGeom>
+        </p:spPr>
+      </p:pic>
+    </p:spTree>
+    <p:extLst>
+      <p:ext uri="{BB962C8B-B14F-4D97-AF65-F5344CB8AC3E}">
+        <p14:creationId xmlns:p14="http://schemas.microsoft.com/office/powerpoint/2010/main" val="1183625144"/>
+      </p:ext>
+    </p:extLst>
+  </p:cSld>
+  <p:clrMapOvr>
+    <a:masterClrMapping/>
+  </p:clrMapOvr>
+  <p:transition spd="med"/>
+</p:sld>
+</file>
+
+<file path=ppt/slides/slide9.xml><?xml version="1.0" encoding="utf-8"?>
+<p:sld xmlns:a="http://schemas.openxmlformats.org/drawingml/2006/main" xmlns:r="http://schemas.openxmlformats.org/officeDocument/2006/relationships" xmlns:p="http://schemas.openxmlformats.org/presentationml/2006/main">
+  <p:cSld>
+    <p:spTree>
+      <p:nvGrpSpPr>
+        <p:cNvPr id="1" name=""/>
+        <p:cNvGrpSpPr/>
+        <p:nvPr/>
+      </p:nvGrpSpPr>
+      <p:grpSpPr>
+        <a:xfrm>
+          <a:off x="0" y="0"/>
+          <a:ext cx="0" cy="0"/>
+          <a:chOff x="0" y="0"/>
+          <a:chExt cx="0" cy="0"/>
+        </a:xfrm>
+      </p:grpSpPr>
+      <p:sp>
+        <p:nvSpPr>
           <p:cNvPr id="66" name="Shape 66"/>
           <p:cNvSpPr>
             <a:spLocks noGrp="1"/>
@@ -6650,160 +7171,6 @@
           </a:ln>
         </p:spPr>
       </p:pic>
-    </p:spTree>
-  </p:cSld>
-  <p:clrMapOvr>
-    <a:masterClrMapping/>
-  </p:clrMapOvr>
-  <p:transition spd="med"/>
-</p:sld>
-</file>
-
-<file path=ppt/slides/slide9.xml><?xml version="1.0" encoding="utf-8"?>
-<p:sld xmlns:a="http://schemas.openxmlformats.org/drawingml/2006/main" xmlns:r="http://schemas.openxmlformats.org/officeDocument/2006/relationships" xmlns:p="http://schemas.openxmlformats.org/presentationml/2006/main">
-  <p:cSld>
-    <p:spTree>
-      <p:nvGrpSpPr>
-        <p:cNvPr id="1" name=""/>
-        <p:cNvGrpSpPr/>
-        <p:nvPr/>
-      </p:nvGrpSpPr>
-      <p:grpSpPr>
-        <a:xfrm>
-          <a:off x="0" y="0"/>
-          <a:ext cx="0" cy="0"/>
-          <a:chOff x="0" y="0"/>
-          <a:chExt cx="0" cy="0"/>
-        </a:xfrm>
-      </p:grpSpPr>
-      <p:sp>
-        <p:nvSpPr>
-          <p:cNvPr id="70" name="Shape 70"/>
-          <p:cNvSpPr>
-            <a:spLocks noGrp="1"/>
-          </p:cNvSpPr>
-          <p:nvPr>
-            <p:ph type="title"/>
-          </p:nvPr>
-        </p:nvSpPr>
-        <p:spPr>
-          <a:xfrm>
-            <a:off x="171450" y="-1"/>
-            <a:ext cx="8788400" cy="1143002"/>
-          </a:xfrm>
-          <a:prstGeom prst="rect">
-            <a:avLst/>
-          </a:prstGeom>
-        </p:spPr>
-        <p:txBody>
-          <a:bodyPr>
-            <a:normAutofit/>
-          </a:bodyPr>
-          <a:lstStyle/>
-          <a:p>
-            <a:r>
-              <a:t>Example: a multi-threaded web server</a:t>
-            </a:r>
-          </a:p>
-        </p:txBody>
-      </p:sp>
-      <p:pic>
-        <p:nvPicPr>
-          <p:cNvPr id="71" name="2-10.jpg"/>
-          <p:cNvPicPr>
-            <a:picLocks noChangeAspect="1"/>
-          </p:cNvPicPr>
-          <p:nvPr/>
-        </p:nvPicPr>
-        <p:blipFill>
-          <a:blip r:embed="rId2">
-            <a:extLst/>
-          </a:blip>
-          <a:stretch>
-            <a:fillRect/>
-          </a:stretch>
-        </p:blipFill>
-        <p:spPr>
-          <a:xfrm>
-            <a:off x="1855482" y="1063625"/>
-            <a:ext cx="6075668" cy="4026312"/>
-          </a:xfrm>
-          <a:prstGeom prst="rect">
-            <a:avLst/>
-          </a:prstGeom>
-          <a:ln w="12700">
-            <a:miter lim="400000"/>
-          </a:ln>
-        </p:spPr>
-      </p:pic>
-      <p:sp>
-        <p:nvSpPr>
-          <p:cNvPr id="72" name="Shape 72"/>
-          <p:cNvSpPr>
-            <a:spLocks noGrp="1"/>
-          </p:cNvSpPr>
-          <p:nvPr>
-            <p:ph type="body" sz="half" idx="1"/>
-          </p:nvPr>
-        </p:nvSpPr>
-        <p:spPr>
-          <a:xfrm>
-            <a:off x="203200" y="5321647"/>
-            <a:ext cx="8737600" cy="1467744"/>
-          </a:xfrm>
-          <a:prstGeom prst="rect">
-            <a:avLst/>
-          </a:prstGeom>
-        </p:spPr>
-        <p:txBody>
-          <a:bodyPr>
-            <a:normAutofit/>
-          </a:bodyPr>
-          <a:lstStyle/>
-          <a:p>
-            <a:pPr marL="256673" indent="-256673" defTabSz="731520">
-              <a:lnSpc>
-                <a:spcPct val="90000"/>
-              </a:lnSpc>
-              <a:spcBef>
-                <a:spcPts val="600"/>
-              </a:spcBef>
-              <a:defRPr sz="2560"/>
-            </a:pPr>
-            <a:r>
-              <a:t>A dispatcher thread waits for and accepts network connections</a:t>
-            </a:r>
-          </a:p>
-          <a:p>
-            <a:pPr marL="256673" indent="-256673" defTabSz="731520">
-              <a:lnSpc>
-                <a:spcPct val="90000"/>
-              </a:lnSpc>
-              <a:spcBef>
-                <a:spcPts val="600"/>
-              </a:spcBef>
-              <a:defRPr sz="2560"/>
-            </a:pPr>
-            <a:r>
-              <a:t>Several worker threads</a:t>
-            </a:r>
-          </a:p>
-          <a:p>
-            <a:pPr marL="561473" lvl="1" indent="-256673" defTabSz="731520">
-              <a:lnSpc>
-                <a:spcPct val="90000"/>
-              </a:lnSpc>
-              <a:spcBef>
-                <a:spcPts val="600"/>
-              </a:spcBef>
-              <a:defRPr sz="2560"/>
-            </a:pPr>
-            <a:r>
-              <a:t>Each worker processes one network connection concurrently</a:t>
-            </a:r>
-          </a:p>
-        </p:txBody>
-      </p:sp>
     </p:spTree>
   </p:cSld>
   <p:clrMapOvr>
